--- a/magicbox.pptx
+++ b/magicbox.pptx
@@ -2125,7 +2125,7 @@
           <a:bodyPr lIns="0" rIns="0" tIns="0" bIns="0"/>
           <a:p>
             <a:pPr algn="r"/>
-            <a:fld id="{C3534CF7-C107-467B-925C-70EFE0C91DDB}" type="slidenum">
+            <a:fld id="{E8DC5213-21FE-4673-AA5A-A38FB9C2BFAF}" type="slidenum">
               <a:rPr b="0" lang="ru-RU" sz="1400" spc="-1" strike="noStrike">
                 <a:solidFill>
                   <a:srgbClr val="000000"/>
@@ -3695,7 +3695,7 @@
                 </a:uFill>
                 <a:latin typeface="Arial"/>
               </a:rPr>
-              <a:t>КЕЙСОВ ИЗ COUTER STRIKE</a:t>
+              <a:t>КЕЙСОВ ИЗ COUNTER-STRIKE</a:t>
             </a:r>
             <a:endParaRPr b="0" lang="ru-RU" sz="3200" spc="-1" strike="noStrike">
               <a:solidFill>
@@ -5014,6 +5014,44 @@
           <a:bodyPr lIns="0" rIns="0" tIns="0" bIns="0">
             <a:normAutofit/>
           </a:bodyPr>
+          <a:p>
+            <a:pPr marL="432000" indent="-324000">
+              <a:spcBef>
+                <a:spcPts val="1417"/>
+              </a:spcBef>
+              <a:buClr>
+                <a:srgbClr val="000000"/>
+              </a:buClr>
+              <a:buSzPct val="45000"/>
+              <a:buFont typeface="Wingdings" charset="2"/>
+              <a:buChar char=""/>
+            </a:pPr>
+            <a:r>
+              <a:rPr b="0" lang="ru-RU" sz="3200" spc="-1" strike="noStrike">
+                <a:solidFill>
+                  <a:srgbClr val="000000"/>
+                </a:solidFill>
+                <a:uFill>
+                  <a:solidFill>
+                    <a:srgbClr val="ffffff"/>
+                  </a:solidFill>
+                </a:uFill>
+                <a:latin typeface="Arial"/>
+              </a:rPr>
+              <a:t>ДОБАВИТЬ ОКРУЖЕНИЕ В ПРИЛОЖЕНИЕ</a:t>
+            </a:r>
+            <a:endParaRPr b="0" lang="ru-RU" sz="3200" spc="-1" strike="noStrike">
+              <a:solidFill>
+                <a:srgbClr val="000000"/>
+              </a:solidFill>
+              <a:uFill>
+                <a:solidFill>
+                  <a:srgbClr val="ffffff"/>
+                </a:solidFill>
+              </a:uFill>
+              <a:latin typeface="Arial"/>
+            </a:endParaRPr>
+          </a:p>
           <a:p>
             <a:pPr marL="432000" indent="-324000">
               <a:spcBef>
